--- a/HTML-CSS-JS/nhap-mon-lap-trinh-web.pptx
+++ b/HTML-CSS-JS/nhap-mon-lap-trinh-web.pptx
@@ -111,6 +111,11 @@
       </a:defRPr>
     </a:lvl9pPr>
   </p:defaultTextStyle>
+  <p:extLst>
+    <p:ext uri="{EFAFB233-063F-42B5-8137-9DF3F51BA10A}">
+      <p15:sldGuideLst xmlns:p15="http://schemas.microsoft.com/office/powerpoint/2012/main"/>
+    </p:ext>
+  </p:extLst>
 </p:presentation>
 </file>
 
@@ -261,7 +266,7 @@
           <a:p>
             <a:fld id="{7CDE2438-7B55-AB45-B591-836541CF5B89}" type="datetimeFigureOut">
               <a:rPr lang="en-US" smtClean="0"/>
-              <a:t>6/22/19</a:t>
+              <a:t>6/23/19</a:t>
             </a:fld>
             <a:endParaRPr lang="en-US"/>
           </a:p>
@@ -459,7 +464,7 @@
           <a:p>
             <a:fld id="{7CDE2438-7B55-AB45-B591-836541CF5B89}" type="datetimeFigureOut">
               <a:rPr lang="en-US" smtClean="0"/>
-              <a:t>6/22/19</a:t>
+              <a:t>6/23/19</a:t>
             </a:fld>
             <a:endParaRPr lang="en-US"/>
           </a:p>
@@ -667,7 +672,7 @@
           <a:p>
             <a:fld id="{7CDE2438-7B55-AB45-B591-836541CF5B89}" type="datetimeFigureOut">
               <a:rPr lang="en-US" smtClean="0"/>
-              <a:t>6/22/19</a:t>
+              <a:t>6/23/19</a:t>
             </a:fld>
             <a:endParaRPr lang="en-US"/>
           </a:p>
@@ -895,7 +900,7 @@
           <a:p>
             <a:fld id="{7CDE2438-7B55-AB45-B591-836541CF5B89}" type="datetimeFigureOut">
               <a:rPr lang="en-US" smtClean="0"/>
-              <a:t>6/22/19</a:t>
+              <a:t>6/23/19</a:t>
             </a:fld>
             <a:endParaRPr lang="en-US"/>
           </a:p>
@@ -1170,7 +1175,7 @@
           <a:p>
             <a:fld id="{7CDE2438-7B55-AB45-B591-836541CF5B89}" type="datetimeFigureOut">
               <a:rPr lang="en-US" smtClean="0"/>
-              <a:t>6/22/19</a:t>
+              <a:t>6/23/19</a:t>
             </a:fld>
             <a:endParaRPr lang="en-US"/>
           </a:p>
@@ -1435,7 +1440,7 @@
           <a:p>
             <a:fld id="{7CDE2438-7B55-AB45-B591-836541CF5B89}" type="datetimeFigureOut">
               <a:rPr lang="en-US" smtClean="0"/>
-              <a:t>6/22/19</a:t>
+              <a:t>6/23/19</a:t>
             </a:fld>
             <a:endParaRPr lang="en-US"/>
           </a:p>
@@ -1847,7 +1852,7 @@
           <a:p>
             <a:fld id="{7CDE2438-7B55-AB45-B591-836541CF5B89}" type="datetimeFigureOut">
               <a:rPr lang="en-US" smtClean="0"/>
-              <a:t>6/22/19</a:t>
+              <a:t>6/23/19</a:t>
             </a:fld>
             <a:endParaRPr lang="en-US"/>
           </a:p>
@@ -1988,7 +1993,7 @@
           <a:p>
             <a:fld id="{7CDE2438-7B55-AB45-B591-836541CF5B89}" type="datetimeFigureOut">
               <a:rPr lang="en-US" smtClean="0"/>
-              <a:t>6/22/19</a:t>
+              <a:t>6/23/19</a:t>
             </a:fld>
             <a:endParaRPr lang="en-US"/>
           </a:p>
@@ -2101,7 +2106,7 @@
           <a:p>
             <a:fld id="{7CDE2438-7B55-AB45-B591-836541CF5B89}" type="datetimeFigureOut">
               <a:rPr lang="en-US" smtClean="0"/>
-              <a:t>6/22/19</a:t>
+              <a:t>6/23/19</a:t>
             </a:fld>
             <a:endParaRPr lang="en-US"/>
           </a:p>
@@ -2412,7 +2417,7 @@
           <a:p>
             <a:fld id="{7CDE2438-7B55-AB45-B591-836541CF5B89}" type="datetimeFigureOut">
               <a:rPr lang="en-US" smtClean="0"/>
-              <a:t>6/22/19</a:t>
+              <a:t>6/23/19</a:t>
             </a:fld>
             <a:endParaRPr lang="en-US"/>
           </a:p>
@@ -2700,7 +2705,7 @@
           <a:p>
             <a:fld id="{7CDE2438-7B55-AB45-B591-836541CF5B89}" type="datetimeFigureOut">
               <a:rPr lang="en-US" smtClean="0"/>
-              <a:t>6/22/19</a:t>
+              <a:t>6/23/19</a:t>
             </a:fld>
             <a:endParaRPr lang="en-US"/>
           </a:p>
@@ -2941,7 +2946,7 @@
           <a:p>
             <a:fld id="{7CDE2438-7B55-AB45-B591-836541CF5B89}" type="datetimeFigureOut">
               <a:rPr lang="en-US" smtClean="0"/>
-              <a:t>6/22/19</a:t>
+              <a:t>6/23/19</a:t>
             </a:fld>
             <a:endParaRPr lang="en-US"/>
           </a:p>
@@ -5700,7 +5705,7 @@
         <p:spPr>
           <a:xfrm>
             <a:off x="279401" y="1473276"/>
-            <a:ext cx="11633198" cy="3666517"/>
+            <a:ext cx="11633198" cy="2927853"/>
           </a:xfrm>
           <a:prstGeom prst="rect">
             <a:avLst/>
@@ -5844,43 +5849,115 @@
                 </a:solidFill>
                 <a:latin typeface="Lato" panose="020F0502020204030203" pitchFamily="34" charset="0"/>
               </a:rPr>
-              <a:t>Làm</a:t>
-            </a:r>
-            <a:r>
-              <a:rPr lang="en-US" sz="2400" dirty="0">
-                <a:solidFill>
-                  <a:schemeClr val="bg1"/>
-                </a:solidFill>
-                <a:latin typeface="Lato" panose="020F0502020204030203" pitchFamily="34" charset="0"/>
-              </a:rPr>
-              <a:t> </a:t>
-            </a:r>
-            <a:r>
-              <a:rPr lang="en-US" sz="2400" dirty="0" err="1">
-                <a:solidFill>
-                  <a:schemeClr val="bg1"/>
-                </a:solidFill>
-                <a:latin typeface="Lato" panose="020F0502020204030203" pitchFamily="34" charset="0"/>
-              </a:rPr>
-              <a:t>quen</a:t>
-            </a:r>
-            <a:r>
-              <a:rPr lang="en-US" sz="2400" dirty="0">
-                <a:solidFill>
-                  <a:schemeClr val="bg1"/>
-                </a:solidFill>
-                <a:latin typeface="Lato" panose="020F0502020204030203" pitchFamily="34" charset="0"/>
-              </a:rPr>
-              <a:t> </a:t>
-            </a:r>
-            <a:r>
-              <a:rPr lang="en-US" sz="2400" dirty="0" err="1">
-                <a:solidFill>
-                  <a:schemeClr val="bg1"/>
-                </a:solidFill>
-                <a:latin typeface="Lato" panose="020F0502020204030203" pitchFamily="34" charset="0"/>
-              </a:rPr>
-              <a:t>với</a:t>
+              <a:t>Giới</a:t>
+            </a:r>
+            <a:r>
+              <a:rPr lang="en-US" sz="2400" dirty="0">
+                <a:solidFill>
+                  <a:schemeClr val="bg1"/>
+                </a:solidFill>
+                <a:latin typeface="Lato" panose="020F0502020204030203" pitchFamily="34" charset="0"/>
+              </a:rPr>
+              <a:t> </a:t>
+            </a:r>
+            <a:r>
+              <a:rPr lang="en-US" sz="2400" dirty="0" err="1">
+                <a:solidFill>
+                  <a:schemeClr val="bg1"/>
+                </a:solidFill>
+                <a:latin typeface="Lato" panose="020F0502020204030203" pitchFamily="34" charset="0"/>
+              </a:rPr>
+              <a:t>thiệu</a:t>
+            </a:r>
+            <a:r>
+              <a:rPr lang="en-US" sz="2400" dirty="0">
+                <a:solidFill>
+                  <a:schemeClr val="bg1"/>
+                </a:solidFill>
+                <a:latin typeface="Lato" panose="020F0502020204030203" pitchFamily="34" charset="0"/>
+              </a:rPr>
+              <a:t>, </a:t>
+            </a:r>
+            <a:r>
+              <a:rPr lang="en-US" sz="2400" dirty="0" err="1">
+                <a:solidFill>
+                  <a:schemeClr val="bg1"/>
+                </a:solidFill>
+                <a:latin typeface="Lato" panose="020F0502020204030203" pitchFamily="34" charset="0"/>
+              </a:rPr>
+              <a:t>cú</a:t>
+            </a:r>
+            <a:r>
+              <a:rPr lang="en-US" sz="2400" dirty="0">
+                <a:solidFill>
+                  <a:schemeClr val="bg1"/>
+                </a:solidFill>
+                <a:latin typeface="Lato" panose="020F0502020204030203" pitchFamily="34" charset="0"/>
+              </a:rPr>
+              <a:t> </a:t>
+            </a:r>
+            <a:r>
+              <a:rPr lang="en-US" sz="2400" dirty="0" err="1">
+                <a:solidFill>
+                  <a:schemeClr val="bg1"/>
+                </a:solidFill>
+                <a:latin typeface="Lato" panose="020F0502020204030203" pitchFamily="34" charset="0"/>
+              </a:rPr>
+              <a:t>pháp</a:t>
+            </a:r>
+            <a:r>
+              <a:rPr lang="en-US" sz="2400" dirty="0">
+                <a:solidFill>
+                  <a:schemeClr val="bg1"/>
+                </a:solidFill>
+                <a:latin typeface="Lato" panose="020F0502020204030203" pitchFamily="34" charset="0"/>
+              </a:rPr>
+              <a:t> &amp; </a:t>
+            </a:r>
+            <a:r>
+              <a:rPr lang="en-US" sz="2400" dirty="0" err="1">
+                <a:solidFill>
+                  <a:schemeClr val="bg1"/>
+                </a:solidFill>
+                <a:latin typeface="Lato" panose="020F0502020204030203" pitchFamily="34" charset="0"/>
+              </a:rPr>
+              <a:t>cơ</a:t>
+            </a:r>
+            <a:r>
+              <a:rPr lang="en-US" sz="2400" dirty="0">
+                <a:solidFill>
+                  <a:schemeClr val="bg1"/>
+                </a:solidFill>
+                <a:latin typeface="Lato" panose="020F0502020204030203" pitchFamily="34" charset="0"/>
+              </a:rPr>
+              <a:t> </a:t>
+            </a:r>
+            <a:r>
+              <a:rPr lang="en-US" sz="2400" dirty="0" err="1">
+                <a:solidFill>
+                  <a:schemeClr val="bg1"/>
+                </a:solidFill>
+                <a:latin typeface="Lato" panose="020F0502020204030203" pitchFamily="34" charset="0"/>
+              </a:rPr>
+              <a:t>bản</a:t>
+            </a:r>
+            <a:r>
+              <a:rPr lang="en-US" sz="2400" dirty="0">
+                <a:solidFill>
+                  <a:schemeClr val="bg1"/>
+                </a:solidFill>
+                <a:latin typeface="Lato" panose="020F0502020204030203" pitchFamily="34" charset="0"/>
+              </a:rPr>
+              <a:t> </a:t>
+            </a:r>
+            <a:r>
+              <a:rPr lang="en-US" sz="2400" dirty="0" err="1">
+                <a:solidFill>
+                  <a:schemeClr val="bg1"/>
+                </a:solidFill>
+                <a:latin typeface="Lato" panose="020F0502020204030203" pitchFamily="34" charset="0"/>
+              </a:rPr>
+              <a:t>về</a:t>
             </a:r>
             <a:r>
               <a:rPr lang="en-US" sz="2400" dirty="0">
@@ -5907,43 +5984,79 @@
                 </a:solidFill>
                 <a:latin typeface="Lato" panose="020F0502020204030203" pitchFamily="34" charset="0"/>
               </a:rPr>
-              <a:t>Làm</a:t>
-            </a:r>
-            <a:r>
-              <a:rPr lang="en-US" sz="2400" dirty="0">
-                <a:solidFill>
-                  <a:schemeClr val="bg1"/>
-                </a:solidFill>
-                <a:latin typeface="Lato" panose="020F0502020204030203" pitchFamily="34" charset="0"/>
-              </a:rPr>
-              <a:t> </a:t>
-            </a:r>
-            <a:r>
-              <a:rPr lang="en-US" sz="2400" dirty="0" err="1">
-                <a:solidFill>
-                  <a:schemeClr val="bg1"/>
-                </a:solidFill>
-                <a:latin typeface="Lato" panose="020F0502020204030203" pitchFamily="34" charset="0"/>
-              </a:rPr>
-              <a:t>quen</a:t>
-            </a:r>
-            <a:r>
-              <a:rPr lang="en-US" sz="2400" dirty="0">
-                <a:solidFill>
-                  <a:schemeClr val="bg1"/>
-                </a:solidFill>
-                <a:latin typeface="Lato" panose="020F0502020204030203" pitchFamily="34" charset="0"/>
-              </a:rPr>
-              <a:t> </a:t>
-            </a:r>
-            <a:r>
-              <a:rPr lang="en-US" sz="2400" dirty="0" err="1">
-                <a:solidFill>
-                  <a:schemeClr val="bg1"/>
-                </a:solidFill>
-                <a:latin typeface="Lato" panose="020F0502020204030203" pitchFamily="34" charset="0"/>
-              </a:rPr>
-              <a:t>với</a:t>
+              <a:t>Cài</a:t>
+            </a:r>
+            <a:r>
+              <a:rPr lang="en-US" sz="2400" dirty="0">
+                <a:solidFill>
+                  <a:schemeClr val="bg1"/>
+                </a:solidFill>
+                <a:latin typeface="Lato" panose="020F0502020204030203" pitchFamily="34" charset="0"/>
+              </a:rPr>
+              <a:t> </a:t>
+            </a:r>
+            <a:r>
+              <a:rPr lang="en-US" sz="2400" dirty="0" err="1">
+                <a:solidFill>
+                  <a:schemeClr val="bg1"/>
+                </a:solidFill>
+                <a:latin typeface="Lato" panose="020F0502020204030203" pitchFamily="34" charset="0"/>
+              </a:rPr>
+              <a:t>đặt</a:t>
+            </a:r>
+            <a:r>
+              <a:rPr lang="en-US" sz="2400" dirty="0">
+                <a:solidFill>
+                  <a:schemeClr val="bg1"/>
+                </a:solidFill>
+                <a:latin typeface="Lato" panose="020F0502020204030203" pitchFamily="34" charset="0"/>
+              </a:rPr>
+              <a:t> </a:t>
+            </a:r>
+            <a:r>
+              <a:rPr lang="en-US" sz="2400" dirty="0" err="1">
+                <a:solidFill>
+                  <a:schemeClr val="bg1"/>
+                </a:solidFill>
+                <a:latin typeface="Lato" panose="020F0502020204030203" pitchFamily="34" charset="0"/>
+              </a:rPr>
+              <a:t>và</a:t>
+            </a:r>
+            <a:r>
+              <a:rPr lang="en-US" sz="2400" dirty="0">
+                <a:solidFill>
+                  <a:schemeClr val="bg1"/>
+                </a:solidFill>
+                <a:latin typeface="Lato" panose="020F0502020204030203" pitchFamily="34" charset="0"/>
+              </a:rPr>
+              <a:t> </a:t>
+            </a:r>
+            <a:r>
+              <a:rPr lang="en-US" sz="2400" dirty="0" err="1">
+                <a:solidFill>
+                  <a:schemeClr val="bg1"/>
+                </a:solidFill>
+                <a:latin typeface="Lato" panose="020F0502020204030203" pitchFamily="34" charset="0"/>
+              </a:rPr>
+              <a:t>sử</a:t>
+            </a:r>
+            <a:r>
+              <a:rPr lang="en-US" sz="2400" dirty="0">
+                <a:solidFill>
+                  <a:schemeClr val="bg1"/>
+                </a:solidFill>
+                <a:latin typeface="Lato" panose="020F0502020204030203" pitchFamily="34" charset="0"/>
+              </a:rPr>
+              <a:t> </a:t>
+            </a:r>
+            <a:r>
+              <a:rPr lang="en-US" sz="2400" dirty="0" err="1">
+                <a:solidFill>
+                  <a:schemeClr val="bg1"/>
+                </a:solidFill>
+                <a:latin typeface="Lato" panose="020F0502020204030203" pitchFamily="34" charset="0"/>
+              </a:rPr>
+              <a:t>dụng</a:t>
             </a:r>
             <a:r>
               <a:rPr lang="en-US" sz="2400" dirty="0">
@@ -5953,60 +6066,6 @@
                 <a:latin typeface="Lato" panose="020F0502020204030203" pitchFamily="34" charset="0"/>
               </a:rPr>
               <a:t> Visual Studio Code extensions.</a:t>
-            </a:r>
-          </a:p>
-          <a:p>
-            <a:pPr marL="342900" indent="-342900">
-              <a:lnSpc>
-                <a:spcPct val="200000"/>
-              </a:lnSpc>
-              <a:buFont typeface="Wingdings" pitchFamily="2" charset="2"/>
-              <a:buChar char="ü"/>
-            </a:pPr>
-            <a:r>
-              <a:rPr lang="en-US" sz="2400" dirty="0">
-                <a:solidFill>
-                  <a:schemeClr val="bg1"/>
-                </a:solidFill>
-                <a:latin typeface="Lato" panose="020F0502020204030203" pitchFamily="34" charset="0"/>
-              </a:rPr>
-              <a:t>Git &amp; GitHub </a:t>
-            </a:r>
-            <a:r>
-              <a:rPr lang="en-US" sz="2400" dirty="0" err="1">
-                <a:solidFill>
-                  <a:schemeClr val="bg1"/>
-                </a:solidFill>
-                <a:latin typeface="Lato" panose="020F0502020204030203" pitchFamily="34" charset="0"/>
-              </a:rPr>
-              <a:t>cơ</a:t>
-            </a:r>
-            <a:r>
-              <a:rPr lang="en-US" sz="2400" dirty="0">
-                <a:solidFill>
-                  <a:schemeClr val="bg1"/>
-                </a:solidFill>
-                <a:latin typeface="Lato" panose="020F0502020204030203" pitchFamily="34" charset="0"/>
-              </a:rPr>
-              <a:t> </a:t>
-            </a:r>
-            <a:r>
-              <a:rPr lang="en-US" sz="2400" dirty="0" err="1">
-                <a:solidFill>
-                  <a:schemeClr val="bg1"/>
-                </a:solidFill>
-                <a:latin typeface="Lato" panose="020F0502020204030203" pitchFamily="34" charset="0"/>
-              </a:rPr>
-              <a:t>bản</a:t>
-            </a:r>
-            <a:r>
-              <a:rPr lang="en-US" sz="2400" dirty="0">
-                <a:solidFill>
-                  <a:schemeClr val="bg1"/>
-                </a:solidFill>
-                <a:latin typeface="Lato" panose="020F0502020204030203" pitchFamily="34" charset="0"/>
-              </a:rPr>
-              <a:t>.</a:t>
             </a:r>
           </a:p>
           <a:p>
@@ -6757,49 +6816,58 @@
               <a:buChar char="ü"/>
             </a:pPr>
             <a:r>
-              <a:rPr lang="en-US" sz="2400" dirty="0">
-                <a:solidFill>
-                  <a:schemeClr val="bg1"/>
-                </a:solidFill>
-                <a:latin typeface="Lato" panose="020F0502020204030203" pitchFamily="34" charset="0"/>
-              </a:rPr>
-              <a:t>Git &amp; GitHub </a:t>
-            </a:r>
-            <a:r>
-              <a:rPr lang="en-US" sz="2400" dirty="0" err="1">
-                <a:solidFill>
-                  <a:schemeClr val="bg1"/>
-                </a:solidFill>
-                <a:latin typeface="Lato" panose="020F0502020204030203" pitchFamily="34" charset="0"/>
-              </a:rPr>
-              <a:t>nâng</a:t>
-            </a:r>
-            <a:r>
-              <a:rPr lang="en-US" sz="2400" dirty="0">
-                <a:solidFill>
-                  <a:schemeClr val="bg1"/>
-                </a:solidFill>
-                <a:latin typeface="Lato" panose="020F0502020204030203" pitchFamily="34" charset="0"/>
-              </a:rPr>
-              <a:t> </a:t>
-            </a:r>
-            <a:r>
-              <a:rPr lang="en-US" sz="2400" dirty="0" err="1">
-                <a:solidFill>
-                  <a:schemeClr val="bg1"/>
-                </a:solidFill>
-                <a:latin typeface="Lato" panose="020F0502020204030203" pitchFamily="34" charset="0"/>
-              </a:rPr>
-              <a:t>cao</a:t>
-            </a:r>
-            <a:r>
-              <a:rPr lang="en-US" sz="2400" dirty="0">
-                <a:solidFill>
-                  <a:schemeClr val="bg1"/>
-                </a:solidFill>
-                <a:latin typeface="Lato" panose="020F0502020204030203" pitchFamily="34" charset="0"/>
-              </a:rPr>
-              <a:t>.</a:t>
+              <a:rPr lang="en-US" sz="2400" dirty="0" err="1">
+                <a:solidFill>
+                  <a:schemeClr val="bg1"/>
+                </a:solidFill>
+                <a:latin typeface="Lato" panose="020F0502020204030203" pitchFamily="34" charset="0"/>
+              </a:rPr>
+              <a:t>Hướng</a:t>
+            </a:r>
+            <a:r>
+              <a:rPr lang="en-US" sz="2400" dirty="0">
+                <a:solidFill>
+                  <a:schemeClr val="bg1"/>
+                </a:solidFill>
+                <a:latin typeface="Lato" panose="020F0502020204030203" pitchFamily="34" charset="0"/>
+              </a:rPr>
+              <a:t> </a:t>
+            </a:r>
+            <a:r>
+              <a:rPr lang="en-US" sz="2400" dirty="0" err="1">
+                <a:solidFill>
+                  <a:schemeClr val="bg1"/>
+                </a:solidFill>
+                <a:latin typeface="Lato" panose="020F0502020204030203" pitchFamily="34" charset="0"/>
+              </a:rPr>
+              <a:t>dẫn</a:t>
+            </a:r>
+            <a:r>
+              <a:rPr lang="en-US" sz="2400" dirty="0">
+                <a:solidFill>
+                  <a:schemeClr val="bg1"/>
+                </a:solidFill>
+                <a:latin typeface="Lato" panose="020F0502020204030203" pitchFamily="34" charset="0"/>
+              </a:rPr>
+              <a:t> </a:t>
+            </a:r>
+            <a:r>
+              <a:rPr lang="en-US" sz="2400" dirty="0" err="1">
+                <a:solidFill>
+                  <a:schemeClr val="bg1"/>
+                </a:solidFill>
+                <a:latin typeface="Lato" panose="020F0502020204030203" pitchFamily="34" charset="0"/>
+              </a:rPr>
+              <a:t>sử</a:t>
+            </a:r>
+            <a:r>
+              <a:rPr lang="en-US" sz="2400" dirty="0">
+                <a:solidFill>
+                  <a:schemeClr val="bg1"/>
+                </a:solidFill>
+                <a:latin typeface="Lato" panose="020F0502020204030203" pitchFamily="34" charset="0"/>
+              </a:rPr>
+              <a:t> dung Git &amp; GitHub.</a:t>
             </a:r>
           </a:p>
           <a:p>

--- a/HTML-CSS-JS/nhap-mon-lap-trinh-web.pptx
+++ b/HTML-CSS-JS/nhap-mon-lap-trinh-web.pptx
@@ -305,7 +305,7 @@
           <a:p>
             <a:fld id="{7CDE2438-7B55-AB45-B591-836541CF5B89}" type="datetimeFigureOut">
               <a:rPr lang="en-US" smtClean="0"/>
-              <a:t>9/28/19</a:t>
+              <a:t>3/14/20</a:t>
             </a:fld>
             <a:endParaRPr lang="en-US"/>
           </a:p>
@@ -503,7 +503,7 @@
           <a:p>
             <a:fld id="{7CDE2438-7B55-AB45-B591-836541CF5B89}" type="datetimeFigureOut">
               <a:rPr lang="en-US" smtClean="0"/>
-              <a:t>9/28/19</a:t>
+              <a:t>3/14/20</a:t>
             </a:fld>
             <a:endParaRPr lang="en-US"/>
           </a:p>
@@ -711,7 +711,7 @@
           <a:p>
             <a:fld id="{7CDE2438-7B55-AB45-B591-836541CF5B89}" type="datetimeFigureOut">
               <a:rPr lang="en-US" smtClean="0"/>
-              <a:t>9/28/19</a:t>
+              <a:t>3/14/20</a:t>
             </a:fld>
             <a:endParaRPr lang="en-US"/>
           </a:p>
@@ -939,7 +939,7 @@
           <a:p>
             <a:fld id="{7CDE2438-7B55-AB45-B591-836541CF5B89}" type="datetimeFigureOut">
               <a:rPr lang="en-US" smtClean="0"/>
-              <a:t>9/28/19</a:t>
+              <a:t>3/14/20</a:t>
             </a:fld>
             <a:endParaRPr lang="en-US"/>
           </a:p>
@@ -1214,7 +1214,7 @@
           <a:p>
             <a:fld id="{7CDE2438-7B55-AB45-B591-836541CF5B89}" type="datetimeFigureOut">
               <a:rPr lang="en-US" smtClean="0"/>
-              <a:t>9/28/19</a:t>
+              <a:t>3/14/20</a:t>
             </a:fld>
             <a:endParaRPr lang="en-US"/>
           </a:p>
@@ -1479,7 +1479,7 @@
           <a:p>
             <a:fld id="{7CDE2438-7B55-AB45-B591-836541CF5B89}" type="datetimeFigureOut">
               <a:rPr lang="en-US" smtClean="0"/>
-              <a:t>9/28/19</a:t>
+              <a:t>3/14/20</a:t>
             </a:fld>
             <a:endParaRPr lang="en-US"/>
           </a:p>
@@ -1891,7 +1891,7 @@
           <a:p>
             <a:fld id="{7CDE2438-7B55-AB45-B591-836541CF5B89}" type="datetimeFigureOut">
               <a:rPr lang="en-US" smtClean="0"/>
-              <a:t>9/28/19</a:t>
+              <a:t>3/14/20</a:t>
             </a:fld>
             <a:endParaRPr lang="en-US"/>
           </a:p>
@@ -2032,7 +2032,7 @@
           <a:p>
             <a:fld id="{7CDE2438-7B55-AB45-B591-836541CF5B89}" type="datetimeFigureOut">
               <a:rPr lang="en-US" smtClean="0"/>
-              <a:t>9/28/19</a:t>
+              <a:t>3/14/20</a:t>
             </a:fld>
             <a:endParaRPr lang="en-US"/>
           </a:p>
@@ -2145,7 +2145,7 @@
           <a:p>
             <a:fld id="{7CDE2438-7B55-AB45-B591-836541CF5B89}" type="datetimeFigureOut">
               <a:rPr lang="en-US" smtClean="0"/>
-              <a:t>9/28/19</a:t>
+              <a:t>3/14/20</a:t>
             </a:fld>
             <a:endParaRPr lang="en-US"/>
           </a:p>
@@ -2456,7 +2456,7 @@
           <a:p>
             <a:fld id="{7CDE2438-7B55-AB45-B591-836541CF5B89}" type="datetimeFigureOut">
               <a:rPr lang="en-US" smtClean="0"/>
-              <a:t>9/28/19</a:t>
+              <a:t>3/14/20</a:t>
             </a:fld>
             <a:endParaRPr lang="en-US"/>
           </a:p>
@@ -2744,7 +2744,7 @@
           <a:p>
             <a:fld id="{7CDE2438-7B55-AB45-B591-836541CF5B89}" type="datetimeFigureOut">
               <a:rPr lang="en-US" smtClean="0"/>
-              <a:t>9/28/19</a:t>
+              <a:t>3/14/20</a:t>
             </a:fld>
             <a:endParaRPr lang="en-US"/>
           </a:p>
@@ -2985,7 +2985,7 @@
           <a:p>
             <a:fld id="{7CDE2438-7B55-AB45-B591-836541CF5B89}" type="datetimeFigureOut">
               <a:rPr lang="en-US" smtClean="0"/>
-              <a:t>9/28/19</a:t>
+              <a:t>3/14/20</a:t>
             </a:fld>
             <a:endParaRPr lang="en-US"/>
           </a:p>
@@ -9269,10 +9269,10 @@
       </p:grpSpPr>
       <p:sp>
         <p:nvSpPr>
-          <p:cNvPr id="8" name="Rectangle 7">
-            <a:extLst>
-              <a:ext uri="{FF2B5EF4-FFF2-40B4-BE49-F238E27FC236}">
-                <a16:creationId xmlns:a16="http://schemas.microsoft.com/office/drawing/2014/main" id="{6B37551C-4999-4064-8D1A-41AD1744B0D0}"/>
+          <p:cNvPr id="10" name="Rectangle 9">
+            <a:extLst>
+              <a:ext uri="{FF2B5EF4-FFF2-40B4-BE49-F238E27FC236}">
+                <a16:creationId xmlns:a16="http://schemas.microsoft.com/office/drawing/2014/main" id="{52867421-97DF-E44A-B0D1-C547E1438E2A}"/>
               </a:ext>
             </a:extLst>
           </p:cNvPr>
@@ -9281,7 +9281,7 @@
         </p:nvSpPr>
         <p:spPr>
           <a:xfrm>
-            <a:off x="-4609" y="874083"/>
+            <a:off x="1802" y="859665"/>
             <a:ext cx="12192000" cy="5138670"/>
           </a:xfrm>
           <a:prstGeom prst="rect">
